--- a/Presentations/20210616_Event/2021_June_Virtual_Developer_Track_Presentation_GeoPose_Practical.pptx
+++ b/Presentations/20210616_Event/2021_June_Virtual_Developer_Track_Presentation_GeoPose_Practical.pptx
@@ -10650,7 +10650,11 @@
           <a:p>
             <a:r>
               <a:rPr lang="en-US" dirty="0"/>
-              <a:t>Steve Smyth, Editor</a:t>
+              <a:t>Steve Smyth</a:t>
+            </a:r>
+            <a:r>
+              <a:rPr lang="en-US"/>
+              <a:t>, GeoPose Editor</a:t>
             </a:r>
             <a:endParaRPr lang="it-IT" dirty="0"/>
           </a:p>
@@ -13609,7 +13613,7 @@
               <a:buSzPts val="2400"/>
             </a:pPr>
             <a:r>
-              <a:rPr lang="en-US" dirty="0"/>
+              <a:rPr lang="en-US" sz="2000" dirty="0"/>
               <a:t>We will take a quick look at:</a:t>
             </a:r>
           </a:p>
@@ -13621,28 +13625,68 @@
               <a:buSzPts val="2400"/>
             </a:pPr>
             <a:r>
-              <a:rPr lang="en-US" dirty="0"/>
+              <a:rPr lang="en-US" sz="2000" dirty="0"/>
               <a:t>The </a:t>
             </a:r>
             <a:r>
-              <a:rPr lang="en-US" dirty="0" err="1"/>
+              <a:rPr lang="en-US" sz="2000" dirty="0" err="1"/>
               <a:t>OpenAPI</a:t>
             </a:r>
             <a:r>
-              <a:rPr lang="en-US" dirty="0"/>
+              <a:rPr lang="en-US" sz="2000" dirty="0"/>
               <a:t>/Swagger documentation for </a:t>
             </a:r>
+            <a:r>
+              <a:rPr lang="en-US" sz="2000" dirty="0" err="1"/>
+              <a:t>SolarPose</a:t>
+            </a:r>
+            <a:r>
+              <a:rPr lang="en-US" sz="2000" dirty="0"/>
+              <a:t>.</a:t>
+            </a:r>
+          </a:p>
+          <a:p>
+            <a:pPr lvl="1" indent="-457200">
+              <a:spcBef>
+                <a:spcPts val="480"/>
+              </a:spcBef>
+              <a:buSzPts val="2400"/>
+            </a:pPr>
+            <a:r>
+              <a:rPr lang="en-US" sz="2000" dirty="0"/>
+              <a:t>The GeoPose 1.0 draft validator and some GeoPose 1.0 data objects.</a:t>
+            </a:r>
+          </a:p>
+          <a:p>
+            <a:pPr lvl="1" indent="-457200">
+              <a:spcBef>
+                <a:spcPts val="480"/>
+              </a:spcBef>
+              <a:buSzPts val="2400"/>
+            </a:pPr>
+            <a:r>
+              <a:rPr lang="en-US" sz="2000" dirty="0"/>
+              <a:t>A simple web application that illustrates </a:t>
+            </a:r>
+          </a:p>
+          <a:p>
+            <a:pPr lvl="2" indent="-457200">
+              <a:spcBef>
+                <a:spcPts val="480"/>
+              </a:spcBef>
+              <a:buSzPts val="2400"/>
+            </a:pPr>
             <a:r>
               <a:rPr lang="en-US" dirty="0" err="1"/>
               <a:t>SolarPose</a:t>
             </a:r>
             <a:r>
               <a:rPr lang="en-US" dirty="0"/>
-              <a:t>.</a:t>
-            </a:r>
-          </a:p>
-          <a:p>
-            <a:pPr lvl="1" indent="-457200">
+              <a:t> as a GeoPose sample data source and </a:t>
+            </a:r>
+          </a:p>
+          <a:p>
+            <a:pPr lvl="2" indent="-457200">
               <a:spcBef>
                 <a:spcPts val="480"/>
               </a:spcBef>
@@ -13650,80 +13694,40 @@
             </a:pPr>
             <a:r>
               <a:rPr lang="en-US" dirty="0"/>
-              <a:t>The GeoPose 1.0 draft validator and some GeoPose 1.0 data objects.</a:t>
-            </a:r>
-          </a:p>
-          <a:p>
-            <a:pPr lvl="1" indent="-457200">
+              <a:t>the basics of creating and using Basic-YPR GeoPose 1.0 data objects.</a:t>
+            </a:r>
+          </a:p>
+          <a:p>
+            <a:pPr indent="-457200">
               <a:spcBef>
                 <a:spcPts val="480"/>
               </a:spcBef>
               <a:buSzPts val="2400"/>
             </a:pPr>
             <a:r>
-              <a:rPr lang="en-US" dirty="0"/>
-              <a:t>A simple web application that illustrates </a:t>
-            </a:r>
-          </a:p>
-          <a:p>
-            <a:pPr lvl="2" indent="-457200">
+              <a:rPr lang="en-US" sz="2000" dirty="0"/>
+              <a:t>You will leave with pointers to</a:t>
+            </a:r>
+          </a:p>
+          <a:p>
+            <a:pPr marL="800100" lvl="1">
               <a:spcBef>
                 <a:spcPts val="480"/>
               </a:spcBef>
               <a:buSzPts val="2400"/>
             </a:pPr>
             <a:r>
-              <a:rPr lang="en-US" dirty="0" err="1"/>
-              <a:t>SolarPose</a:t>
-            </a:r>
-            <a:r>
-              <a:rPr lang="en-US" dirty="0"/>
-              <a:t> as a GeoPose sample data source and </a:t>
-            </a:r>
-          </a:p>
-          <a:p>
-            <a:pPr lvl="2" indent="-457200">
-              <a:spcBef>
-                <a:spcPts val="480"/>
-              </a:spcBef>
-              <a:buSzPts val="2400"/>
-            </a:pPr>
-            <a:r>
-              <a:rPr lang="en-US" dirty="0"/>
-              <a:t>the basics of creating and using Basic-YPR GeoPose 1.0 data objects.</a:t>
-            </a:r>
-          </a:p>
-          <a:p>
-            <a:pPr indent="-457200">
-              <a:spcBef>
-                <a:spcPts val="480"/>
-              </a:spcBef>
-              <a:buSzPts val="2400"/>
-            </a:pPr>
-            <a:r>
-              <a:rPr lang="en-US" dirty="0"/>
-              <a:t>You will leave with pointers to</a:t>
-            </a:r>
-          </a:p>
-          <a:p>
-            <a:pPr marL="800100" lvl="1">
-              <a:spcBef>
-                <a:spcPts val="480"/>
-              </a:spcBef>
-              <a:buSzPts val="2400"/>
-            </a:pPr>
-            <a:r>
-              <a:rPr lang="en-US" dirty="0"/>
+              <a:rPr lang="en-US" sz="2000" dirty="0"/>
               <a:t>The GeoPose 1.0 draft. </a:t>
             </a:r>
             <a:r>
-              <a:rPr lang="en-US" dirty="0">
+              <a:rPr lang="en-US" sz="2000" dirty="0">
                 <a:hlinkClick r:id="rId3"/>
               </a:rPr>
               <a:t>https://github.com/opengeospatial/GeoPose/blob/main/standard/pdf/geopose_standard.pdf</a:t>
             </a:r>
             <a:r>
-              <a:rPr lang="en-US" dirty="0"/>
+              <a:rPr lang="en-US" sz="2000" dirty="0"/>
               <a:t>  </a:t>
             </a:r>
           </a:p>
@@ -13735,25 +13739,35 @@
               <a:buSzPts val="2400"/>
             </a:pPr>
             <a:r>
-              <a:rPr lang="en-US" dirty="0"/>
+              <a:rPr lang="en-US" sz="2000" dirty="0"/>
               <a:t>The </a:t>
             </a:r>
             <a:r>
-              <a:rPr lang="en-US" dirty="0" err="1"/>
+              <a:rPr lang="en-US" sz="2000" dirty="0" err="1"/>
               <a:t>SolarPose</a:t>
             </a:r>
             <a:r>
-              <a:rPr lang="en-US" dirty="0"/>
-              <a:t> demo and code. </a:t>
-            </a:r>
-            <a:r>
-              <a:rPr lang="en-US" dirty="0">
+              <a:rPr lang="en-US" sz="2000" dirty="0"/>
+              <a:t> demo and code in GeoPose repo: </a:t>
+            </a:r>
+            <a:r>
+              <a:rPr lang="en-US" sz="2000" dirty="0">
                 <a:hlinkClick r:id="rId4"/>
               </a:rPr>
+              <a:t>https://github.com/opengeospatial/GeoPose/tree/main/Implementations/SolarPose%20Service</a:t>
+            </a:r>
+            <a:r>
+              <a:rPr lang="en-US" sz="2000" dirty="0"/>
+              <a:t> or hosted at </a:t>
+            </a:r>
+            <a:r>
+              <a:rPr lang="en-US" sz="2000" dirty="0">
+                <a:hlinkClick r:id="rId5"/>
+              </a:rPr>
               <a:t>https://geopose.io/geopose/1.0/demo/index.html</a:t>
             </a:r>
             <a:r>
-              <a:rPr lang="en-US" dirty="0"/>
+              <a:rPr lang="en-US" sz="2000" dirty="0"/>
               <a:t> </a:t>
             </a:r>
           </a:p>
@@ -13765,20 +13779,19 @@
               <a:buSzPts val="2400"/>
             </a:pPr>
             <a:r>
-              <a:rPr lang="en-US" dirty="0"/>
+              <a:rPr lang="en-US" sz="2000" dirty="0"/>
               <a:t>The GeoPose validator. </a:t>
             </a:r>
             <a:r>
-              <a:rPr lang="en-US" sz="2400" dirty="0">
-                <a:hlinkClick r:id="rId5"/>
+              <a:rPr lang="en-US" sz="2000" dirty="0">
+                <a:hlinkClick r:id="rId6"/>
               </a:rPr>
               <a:t>https://service.geopose.io/solar/swagger/index.html</a:t>
             </a:r>
             <a:r>
-              <a:rPr lang="en-US" sz="2400" dirty="0"/>
+              <a:rPr lang="en-US" sz="2000" dirty="0"/>
               <a:t> </a:t>
             </a:r>
-            <a:endParaRPr lang="en-US" dirty="0"/>
           </a:p>
         </p:txBody>
       </p:sp>
